--- a/ppt 16-9/1493.相信耶稣真有.pptx
+++ b/ppt 16-9/1493.相信耶稣真有.pptx
@@ -5,7 +5,7 @@
     <p:sldMasterId id="2147483648" r:id="rId1"/>
   </p:sldMasterIdLst>
   <p:sldIdLst>
-    <p:sldId id="1068" r:id="rId2"/>
+    <p:sldId id="1069" r:id="rId2"/>
   </p:sldIdLst>
   <p:sldSz cx="12192000" cy="6858000"/>
   <p:notesSz cx="6858000" cy="9144000"/>
@@ -129,7 +129,7 @@
           <p:cNvPr id="2" name="标题 1">
             <a:extLst>
               <a:ext uri="{FF2B5EF4-FFF2-40B4-BE49-F238E27FC236}">
-                <a16:creationId xmlns:a16="http://schemas.microsoft.com/office/drawing/2014/main" id="{07CE31CB-EF08-7678-7513-D2952147175B}"/>
+                <a16:creationId xmlns:a16="http://schemas.microsoft.com/office/drawing/2014/main" id="{5708A64C-003A-6E6B-6C72-E4A547A8CF3B}"/>
               </a:ext>
             </a:extLst>
           </p:cNvPr>
@@ -166,7 +166,7 @@
           <p:cNvPr id="3" name="副标题 2">
             <a:extLst>
               <a:ext uri="{FF2B5EF4-FFF2-40B4-BE49-F238E27FC236}">
-                <a16:creationId xmlns:a16="http://schemas.microsoft.com/office/drawing/2014/main" id="{F92FF0D4-E962-81A1-A2E2-6F2E49C06A28}"/>
+                <a16:creationId xmlns:a16="http://schemas.microsoft.com/office/drawing/2014/main" id="{6BFAA599-75D0-4A97-82BF-1D957F73C8AF}"/>
               </a:ext>
             </a:extLst>
           </p:cNvPr>
@@ -236,7 +236,7 @@
           <p:cNvPr id="4" name="日期占位符 3">
             <a:extLst>
               <a:ext uri="{FF2B5EF4-FFF2-40B4-BE49-F238E27FC236}">
-                <a16:creationId xmlns:a16="http://schemas.microsoft.com/office/drawing/2014/main" id="{0E97F92E-BAB9-1596-7B98-9023EFA8D337}"/>
+                <a16:creationId xmlns:a16="http://schemas.microsoft.com/office/drawing/2014/main" id="{C6B44FDF-B6FF-A7F1-B3C7-A36E96273181}"/>
               </a:ext>
             </a:extLst>
           </p:cNvPr>
@@ -252,7 +252,7 @@
           <a:bodyPr/>
           <a:lstStyle/>
           <a:p>
-            <a:fld id="{57F69453-16B8-427C-942C-4756E5D833E7}" type="datetimeFigureOut">
+            <a:fld id="{504C035C-E158-463E-8CC0-F54989E7B096}" type="datetimeFigureOut">
               <a:rPr lang="zh-CN" altLang="en-US" smtClean="0"/>
               <a:t>2024/3/10</a:t>
             </a:fld>
@@ -265,7 +265,7 @@
           <p:cNvPr id="5" name="页脚占位符 4">
             <a:extLst>
               <a:ext uri="{FF2B5EF4-FFF2-40B4-BE49-F238E27FC236}">
-                <a16:creationId xmlns:a16="http://schemas.microsoft.com/office/drawing/2014/main" id="{0C0FE36C-E94C-2B9C-3877-2F643AFA6BD6}"/>
+                <a16:creationId xmlns:a16="http://schemas.microsoft.com/office/drawing/2014/main" id="{5426AB20-7936-BE92-4C93-736026F99F94}"/>
               </a:ext>
             </a:extLst>
           </p:cNvPr>
@@ -290,7 +290,7 @@
           <p:cNvPr id="6" name="灯片编号占位符 5">
             <a:extLst>
               <a:ext uri="{FF2B5EF4-FFF2-40B4-BE49-F238E27FC236}">
-                <a16:creationId xmlns:a16="http://schemas.microsoft.com/office/drawing/2014/main" id="{361848F9-A196-4FD0-21F9-CDFA8D702A48}"/>
+                <a16:creationId xmlns:a16="http://schemas.microsoft.com/office/drawing/2014/main" id="{C29CE5B0-700A-C344-E03C-6AEC4046C972}"/>
               </a:ext>
             </a:extLst>
           </p:cNvPr>
@@ -306,7 +306,7 @@
           <a:bodyPr/>
           <a:lstStyle/>
           <a:p>
-            <a:fld id="{A2FE765D-B8F2-45D6-9D78-5835DFE7F59A}" type="slidenum">
+            <a:fld id="{DA7B16E9-895B-43AE-8C4F-D179BDA2E491}" type="slidenum">
               <a:rPr lang="zh-CN" altLang="en-US" smtClean="0"/>
               <a:t>‹#›</a:t>
             </a:fld>
@@ -317,7 +317,7 @@
     </p:spTree>
     <p:extLst>
       <p:ext uri="{BB962C8B-B14F-4D97-AF65-F5344CB8AC3E}">
-        <p14:creationId xmlns:p14="http://schemas.microsoft.com/office/powerpoint/2010/main" val="2201749607"/>
+        <p14:creationId xmlns:p14="http://schemas.microsoft.com/office/powerpoint/2010/main" val="2020166914"/>
       </p:ext>
     </p:extLst>
   </p:cSld>
@@ -349,7 +349,7 @@
           <p:cNvPr id="2" name="标题 1">
             <a:extLst>
               <a:ext uri="{FF2B5EF4-FFF2-40B4-BE49-F238E27FC236}">
-                <a16:creationId xmlns:a16="http://schemas.microsoft.com/office/drawing/2014/main" id="{657CF295-1CB4-20DD-85D7-141782518350}"/>
+                <a16:creationId xmlns:a16="http://schemas.microsoft.com/office/drawing/2014/main" id="{0A228691-C1A9-2E2C-95F5-0F173CF3A0E6}"/>
               </a:ext>
             </a:extLst>
           </p:cNvPr>
@@ -377,7 +377,7 @@
           <p:cNvPr id="3" name="竖排文字占位符 2">
             <a:extLst>
               <a:ext uri="{FF2B5EF4-FFF2-40B4-BE49-F238E27FC236}">
-                <a16:creationId xmlns:a16="http://schemas.microsoft.com/office/drawing/2014/main" id="{9BBD6A40-31B0-ADD1-ED92-7110832E8ED3}"/>
+                <a16:creationId xmlns:a16="http://schemas.microsoft.com/office/drawing/2014/main" id="{D4218AC8-382A-30D8-353B-36829977D895}"/>
               </a:ext>
             </a:extLst>
           </p:cNvPr>
@@ -434,7 +434,7 @@
           <p:cNvPr id="4" name="日期占位符 3">
             <a:extLst>
               <a:ext uri="{FF2B5EF4-FFF2-40B4-BE49-F238E27FC236}">
-                <a16:creationId xmlns:a16="http://schemas.microsoft.com/office/drawing/2014/main" id="{82E4F2EE-E30A-7382-0494-B7FF7DC057D9}"/>
+                <a16:creationId xmlns:a16="http://schemas.microsoft.com/office/drawing/2014/main" id="{4EC06A0B-F72E-965A-C742-AD1BA16BEC86}"/>
               </a:ext>
             </a:extLst>
           </p:cNvPr>
@@ -450,7 +450,7 @@
           <a:bodyPr/>
           <a:lstStyle/>
           <a:p>
-            <a:fld id="{57F69453-16B8-427C-942C-4756E5D833E7}" type="datetimeFigureOut">
+            <a:fld id="{504C035C-E158-463E-8CC0-F54989E7B096}" type="datetimeFigureOut">
               <a:rPr lang="zh-CN" altLang="en-US" smtClean="0"/>
               <a:t>2024/3/10</a:t>
             </a:fld>
@@ -463,7 +463,7 @@
           <p:cNvPr id="5" name="页脚占位符 4">
             <a:extLst>
               <a:ext uri="{FF2B5EF4-FFF2-40B4-BE49-F238E27FC236}">
-                <a16:creationId xmlns:a16="http://schemas.microsoft.com/office/drawing/2014/main" id="{B5BA89FC-0B34-DB1B-C608-CB57D5B29425}"/>
+                <a16:creationId xmlns:a16="http://schemas.microsoft.com/office/drawing/2014/main" id="{2479BDD9-5B93-31C4-53B2-FF21A81E4C27}"/>
               </a:ext>
             </a:extLst>
           </p:cNvPr>
@@ -488,7 +488,7 @@
           <p:cNvPr id="6" name="灯片编号占位符 5">
             <a:extLst>
               <a:ext uri="{FF2B5EF4-FFF2-40B4-BE49-F238E27FC236}">
-                <a16:creationId xmlns:a16="http://schemas.microsoft.com/office/drawing/2014/main" id="{9BC24CF1-9D0A-DD47-B595-D0AB5411F323}"/>
+                <a16:creationId xmlns:a16="http://schemas.microsoft.com/office/drawing/2014/main" id="{FAF0BDA1-224A-39B5-9BCB-4A12FA185DD8}"/>
               </a:ext>
             </a:extLst>
           </p:cNvPr>
@@ -504,7 +504,7 @@
           <a:bodyPr/>
           <a:lstStyle/>
           <a:p>
-            <a:fld id="{A2FE765D-B8F2-45D6-9D78-5835DFE7F59A}" type="slidenum">
+            <a:fld id="{DA7B16E9-895B-43AE-8C4F-D179BDA2E491}" type="slidenum">
               <a:rPr lang="zh-CN" altLang="en-US" smtClean="0"/>
               <a:t>‹#›</a:t>
             </a:fld>
@@ -515,7 +515,7 @@
     </p:spTree>
     <p:extLst>
       <p:ext uri="{BB962C8B-B14F-4D97-AF65-F5344CB8AC3E}">
-        <p14:creationId xmlns:p14="http://schemas.microsoft.com/office/powerpoint/2010/main" val="2851478874"/>
+        <p14:creationId xmlns:p14="http://schemas.microsoft.com/office/powerpoint/2010/main" val="3746801130"/>
       </p:ext>
     </p:extLst>
   </p:cSld>
@@ -547,7 +547,7 @@
           <p:cNvPr id="2" name="竖排标题 1">
             <a:extLst>
               <a:ext uri="{FF2B5EF4-FFF2-40B4-BE49-F238E27FC236}">
-                <a16:creationId xmlns:a16="http://schemas.microsoft.com/office/drawing/2014/main" id="{54C04AE2-C197-5CF3-AD6A-2E943B4F697F}"/>
+                <a16:creationId xmlns:a16="http://schemas.microsoft.com/office/drawing/2014/main" id="{C7E84740-9E92-A9DB-232F-B2161AC7174A}"/>
               </a:ext>
             </a:extLst>
           </p:cNvPr>
@@ -580,7 +580,7 @@
           <p:cNvPr id="3" name="竖排文字占位符 2">
             <a:extLst>
               <a:ext uri="{FF2B5EF4-FFF2-40B4-BE49-F238E27FC236}">
-                <a16:creationId xmlns:a16="http://schemas.microsoft.com/office/drawing/2014/main" id="{309FC9C4-D311-A660-2821-D1620105BC57}"/>
+                <a16:creationId xmlns:a16="http://schemas.microsoft.com/office/drawing/2014/main" id="{7BBB74BD-93AB-55AB-BDC1-13613F388816}"/>
               </a:ext>
             </a:extLst>
           </p:cNvPr>
@@ -642,7 +642,7 @@
           <p:cNvPr id="4" name="日期占位符 3">
             <a:extLst>
               <a:ext uri="{FF2B5EF4-FFF2-40B4-BE49-F238E27FC236}">
-                <a16:creationId xmlns:a16="http://schemas.microsoft.com/office/drawing/2014/main" id="{037807E7-CCFF-80B9-EF71-570EE38E5D86}"/>
+                <a16:creationId xmlns:a16="http://schemas.microsoft.com/office/drawing/2014/main" id="{D0C4C5C3-0B04-B951-8404-DA83307FC4D2}"/>
               </a:ext>
             </a:extLst>
           </p:cNvPr>
@@ -658,7 +658,7 @@
           <a:bodyPr/>
           <a:lstStyle/>
           <a:p>
-            <a:fld id="{57F69453-16B8-427C-942C-4756E5D833E7}" type="datetimeFigureOut">
+            <a:fld id="{504C035C-E158-463E-8CC0-F54989E7B096}" type="datetimeFigureOut">
               <a:rPr lang="zh-CN" altLang="en-US" smtClean="0"/>
               <a:t>2024/3/10</a:t>
             </a:fld>
@@ -671,7 +671,7 @@
           <p:cNvPr id="5" name="页脚占位符 4">
             <a:extLst>
               <a:ext uri="{FF2B5EF4-FFF2-40B4-BE49-F238E27FC236}">
-                <a16:creationId xmlns:a16="http://schemas.microsoft.com/office/drawing/2014/main" id="{023B2406-3B50-DB30-CA1B-4F376F7C03C2}"/>
+                <a16:creationId xmlns:a16="http://schemas.microsoft.com/office/drawing/2014/main" id="{2895960E-527C-852A-BBB9-0D43281A1E6A}"/>
               </a:ext>
             </a:extLst>
           </p:cNvPr>
@@ -696,7 +696,7 @@
           <p:cNvPr id="6" name="灯片编号占位符 5">
             <a:extLst>
               <a:ext uri="{FF2B5EF4-FFF2-40B4-BE49-F238E27FC236}">
-                <a16:creationId xmlns:a16="http://schemas.microsoft.com/office/drawing/2014/main" id="{DF9DC121-49FC-2C1C-E23D-A863504F1A03}"/>
+                <a16:creationId xmlns:a16="http://schemas.microsoft.com/office/drawing/2014/main" id="{E4956AD4-AF4D-0320-609E-CA30D6BF7EF1}"/>
               </a:ext>
             </a:extLst>
           </p:cNvPr>
@@ -712,7 +712,7 @@
           <a:bodyPr/>
           <a:lstStyle/>
           <a:p>
-            <a:fld id="{A2FE765D-B8F2-45D6-9D78-5835DFE7F59A}" type="slidenum">
+            <a:fld id="{DA7B16E9-895B-43AE-8C4F-D179BDA2E491}" type="slidenum">
               <a:rPr lang="zh-CN" altLang="en-US" smtClean="0"/>
               <a:t>‹#›</a:t>
             </a:fld>
@@ -723,7 +723,7 @@
     </p:spTree>
     <p:extLst>
       <p:ext uri="{BB962C8B-B14F-4D97-AF65-F5344CB8AC3E}">
-        <p14:creationId xmlns:p14="http://schemas.microsoft.com/office/powerpoint/2010/main" val="1466118953"/>
+        <p14:creationId xmlns:p14="http://schemas.microsoft.com/office/powerpoint/2010/main" val="274517639"/>
       </p:ext>
     </p:extLst>
   </p:cSld>
@@ -755,7 +755,7 @@
           <p:cNvPr id="2" name="标题 1">
             <a:extLst>
               <a:ext uri="{FF2B5EF4-FFF2-40B4-BE49-F238E27FC236}">
-                <a16:creationId xmlns:a16="http://schemas.microsoft.com/office/drawing/2014/main" id="{CC7C7412-4292-2367-3722-D5653AE6DAA4}"/>
+                <a16:creationId xmlns:a16="http://schemas.microsoft.com/office/drawing/2014/main" id="{7DE75866-0986-06E8-193E-567CF77D291C}"/>
               </a:ext>
             </a:extLst>
           </p:cNvPr>
@@ -783,7 +783,7 @@
           <p:cNvPr id="3" name="内容占位符 2">
             <a:extLst>
               <a:ext uri="{FF2B5EF4-FFF2-40B4-BE49-F238E27FC236}">
-                <a16:creationId xmlns:a16="http://schemas.microsoft.com/office/drawing/2014/main" id="{D54723B0-4041-8260-24F0-F6A760520169}"/>
+                <a16:creationId xmlns:a16="http://schemas.microsoft.com/office/drawing/2014/main" id="{2B916AB5-2278-CBD6-FD45-927BE094FADA}"/>
               </a:ext>
             </a:extLst>
           </p:cNvPr>
@@ -840,7 +840,7 @@
           <p:cNvPr id="4" name="日期占位符 3">
             <a:extLst>
               <a:ext uri="{FF2B5EF4-FFF2-40B4-BE49-F238E27FC236}">
-                <a16:creationId xmlns:a16="http://schemas.microsoft.com/office/drawing/2014/main" id="{11AE6930-3FC3-BA76-0E42-A1B68CB0B3B9}"/>
+                <a16:creationId xmlns:a16="http://schemas.microsoft.com/office/drawing/2014/main" id="{0DE47A93-B10A-E94A-D156-C30B64BF6F1E}"/>
               </a:ext>
             </a:extLst>
           </p:cNvPr>
@@ -856,7 +856,7 @@
           <a:bodyPr/>
           <a:lstStyle/>
           <a:p>
-            <a:fld id="{57F69453-16B8-427C-942C-4756E5D833E7}" type="datetimeFigureOut">
+            <a:fld id="{504C035C-E158-463E-8CC0-F54989E7B096}" type="datetimeFigureOut">
               <a:rPr lang="zh-CN" altLang="en-US" smtClean="0"/>
               <a:t>2024/3/10</a:t>
             </a:fld>
@@ -869,7 +869,7 @@
           <p:cNvPr id="5" name="页脚占位符 4">
             <a:extLst>
               <a:ext uri="{FF2B5EF4-FFF2-40B4-BE49-F238E27FC236}">
-                <a16:creationId xmlns:a16="http://schemas.microsoft.com/office/drawing/2014/main" id="{BA7C8474-0826-89FD-F3F8-1CC2782CBF46}"/>
+                <a16:creationId xmlns:a16="http://schemas.microsoft.com/office/drawing/2014/main" id="{0F877534-79C0-8880-D80A-588E5BAA324B}"/>
               </a:ext>
             </a:extLst>
           </p:cNvPr>
@@ -894,7 +894,7 @@
           <p:cNvPr id="6" name="灯片编号占位符 5">
             <a:extLst>
               <a:ext uri="{FF2B5EF4-FFF2-40B4-BE49-F238E27FC236}">
-                <a16:creationId xmlns:a16="http://schemas.microsoft.com/office/drawing/2014/main" id="{E8D8CE7D-7815-F836-DD65-F24A1EB031A5}"/>
+                <a16:creationId xmlns:a16="http://schemas.microsoft.com/office/drawing/2014/main" id="{C13AE54A-1019-521E-9285-562E8AE8EE85}"/>
               </a:ext>
             </a:extLst>
           </p:cNvPr>
@@ -910,7 +910,7 @@
           <a:bodyPr/>
           <a:lstStyle/>
           <a:p>
-            <a:fld id="{A2FE765D-B8F2-45D6-9D78-5835DFE7F59A}" type="slidenum">
+            <a:fld id="{DA7B16E9-895B-43AE-8C4F-D179BDA2E491}" type="slidenum">
               <a:rPr lang="zh-CN" altLang="en-US" smtClean="0"/>
               <a:t>‹#›</a:t>
             </a:fld>
@@ -921,7 +921,7 @@
     </p:spTree>
     <p:extLst>
       <p:ext uri="{BB962C8B-B14F-4D97-AF65-F5344CB8AC3E}">
-        <p14:creationId xmlns:p14="http://schemas.microsoft.com/office/powerpoint/2010/main" val="3651043661"/>
+        <p14:creationId xmlns:p14="http://schemas.microsoft.com/office/powerpoint/2010/main" val="3448510222"/>
       </p:ext>
     </p:extLst>
   </p:cSld>
@@ -953,7 +953,7 @@
           <p:cNvPr id="2" name="标题 1">
             <a:extLst>
               <a:ext uri="{FF2B5EF4-FFF2-40B4-BE49-F238E27FC236}">
-                <a16:creationId xmlns:a16="http://schemas.microsoft.com/office/drawing/2014/main" id="{6AAD5C21-98C2-5376-6648-BCAA56140EA2}"/>
+                <a16:creationId xmlns:a16="http://schemas.microsoft.com/office/drawing/2014/main" id="{58AD7446-9C94-095F-10E8-C54CB6157422}"/>
               </a:ext>
             </a:extLst>
           </p:cNvPr>
@@ -990,7 +990,7 @@
           <p:cNvPr id="3" name="文本占位符 2">
             <a:extLst>
               <a:ext uri="{FF2B5EF4-FFF2-40B4-BE49-F238E27FC236}">
-                <a16:creationId xmlns:a16="http://schemas.microsoft.com/office/drawing/2014/main" id="{14BFB1A1-9B5E-164B-D611-A8ED8E20D0AF}"/>
+                <a16:creationId xmlns:a16="http://schemas.microsoft.com/office/drawing/2014/main" id="{0606B2DD-9D67-A645-B2FA-1F9373ECCED8}"/>
               </a:ext>
             </a:extLst>
           </p:cNvPr>
@@ -1115,7 +1115,7 @@
           <p:cNvPr id="4" name="日期占位符 3">
             <a:extLst>
               <a:ext uri="{FF2B5EF4-FFF2-40B4-BE49-F238E27FC236}">
-                <a16:creationId xmlns:a16="http://schemas.microsoft.com/office/drawing/2014/main" id="{D7A0EA0F-6C6C-0471-1027-D3C0773422CD}"/>
+                <a16:creationId xmlns:a16="http://schemas.microsoft.com/office/drawing/2014/main" id="{5C32A475-1A3D-6A2F-ACC7-F8180232D598}"/>
               </a:ext>
             </a:extLst>
           </p:cNvPr>
@@ -1131,7 +1131,7 @@
           <a:bodyPr/>
           <a:lstStyle/>
           <a:p>
-            <a:fld id="{57F69453-16B8-427C-942C-4756E5D833E7}" type="datetimeFigureOut">
+            <a:fld id="{504C035C-E158-463E-8CC0-F54989E7B096}" type="datetimeFigureOut">
               <a:rPr lang="zh-CN" altLang="en-US" smtClean="0"/>
               <a:t>2024/3/10</a:t>
             </a:fld>
@@ -1144,7 +1144,7 @@
           <p:cNvPr id="5" name="页脚占位符 4">
             <a:extLst>
               <a:ext uri="{FF2B5EF4-FFF2-40B4-BE49-F238E27FC236}">
-                <a16:creationId xmlns:a16="http://schemas.microsoft.com/office/drawing/2014/main" id="{4416F592-9FA1-729C-D989-658FBE114DA9}"/>
+                <a16:creationId xmlns:a16="http://schemas.microsoft.com/office/drawing/2014/main" id="{7375F77D-1311-F6BF-6EEE-A2F96B27AEEE}"/>
               </a:ext>
             </a:extLst>
           </p:cNvPr>
@@ -1169,7 +1169,7 @@
           <p:cNvPr id="6" name="灯片编号占位符 5">
             <a:extLst>
               <a:ext uri="{FF2B5EF4-FFF2-40B4-BE49-F238E27FC236}">
-                <a16:creationId xmlns:a16="http://schemas.microsoft.com/office/drawing/2014/main" id="{6C5131CC-77AC-6A85-B70F-13E901F47B0A}"/>
+                <a16:creationId xmlns:a16="http://schemas.microsoft.com/office/drawing/2014/main" id="{C85BB505-8EA9-A43E-FF22-40DA30C5AA49}"/>
               </a:ext>
             </a:extLst>
           </p:cNvPr>
@@ -1185,7 +1185,7 @@
           <a:bodyPr/>
           <a:lstStyle/>
           <a:p>
-            <a:fld id="{A2FE765D-B8F2-45D6-9D78-5835DFE7F59A}" type="slidenum">
+            <a:fld id="{DA7B16E9-895B-43AE-8C4F-D179BDA2E491}" type="slidenum">
               <a:rPr lang="zh-CN" altLang="en-US" smtClean="0"/>
               <a:t>‹#›</a:t>
             </a:fld>
@@ -1196,7 +1196,7 @@
     </p:spTree>
     <p:extLst>
       <p:ext uri="{BB962C8B-B14F-4D97-AF65-F5344CB8AC3E}">
-        <p14:creationId xmlns:p14="http://schemas.microsoft.com/office/powerpoint/2010/main" val="4115478278"/>
+        <p14:creationId xmlns:p14="http://schemas.microsoft.com/office/powerpoint/2010/main" val="1054024205"/>
       </p:ext>
     </p:extLst>
   </p:cSld>
@@ -1228,7 +1228,7 @@
           <p:cNvPr id="2" name="标题 1">
             <a:extLst>
               <a:ext uri="{FF2B5EF4-FFF2-40B4-BE49-F238E27FC236}">
-                <a16:creationId xmlns:a16="http://schemas.microsoft.com/office/drawing/2014/main" id="{5BFEED10-8FE9-0E2B-97AF-F48923E26BE0}"/>
+                <a16:creationId xmlns:a16="http://schemas.microsoft.com/office/drawing/2014/main" id="{6050FB2F-027B-3090-0B13-58B7A0AE29D3}"/>
               </a:ext>
             </a:extLst>
           </p:cNvPr>
@@ -1256,7 +1256,7 @@
           <p:cNvPr id="3" name="内容占位符 2">
             <a:extLst>
               <a:ext uri="{FF2B5EF4-FFF2-40B4-BE49-F238E27FC236}">
-                <a16:creationId xmlns:a16="http://schemas.microsoft.com/office/drawing/2014/main" id="{888F3D5D-56B1-6D3A-72F7-EB08401F1110}"/>
+                <a16:creationId xmlns:a16="http://schemas.microsoft.com/office/drawing/2014/main" id="{ED541330-CFCF-8DEF-4529-8D4FA35D3B23}"/>
               </a:ext>
             </a:extLst>
           </p:cNvPr>
@@ -1318,7 +1318,7 @@
           <p:cNvPr id="4" name="内容占位符 3">
             <a:extLst>
               <a:ext uri="{FF2B5EF4-FFF2-40B4-BE49-F238E27FC236}">
-                <a16:creationId xmlns:a16="http://schemas.microsoft.com/office/drawing/2014/main" id="{35208A1C-1ED7-D625-80B2-1202B2096D52}"/>
+                <a16:creationId xmlns:a16="http://schemas.microsoft.com/office/drawing/2014/main" id="{35021353-E2F6-7E63-8D97-A0D95B22E4D3}"/>
               </a:ext>
             </a:extLst>
           </p:cNvPr>
@@ -1380,7 +1380,7 @@
           <p:cNvPr id="5" name="日期占位符 4">
             <a:extLst>
               <a:ext uri="{FF2B5EF4-FFF2-40B4-BE49-F238E27FC236}">
-                <a16:creationId xmlns:a16="http://schemas.microsoft.com/office/drawing/2014/main" id="{1B57D9B7-1CA7-C777-8EA9-7139ADA8EB71}"/>
+                <a16:creationId xmlns:a16="http://schemas.microsoft.com/office/drawing/2014/main" id="{CE4487F3-80A7-3B86-B349-BFBF2539FE48}"/>
               </a:ext>
             </a:extLst>
           </p:cNvPr>
@@ -1396,7 +1396,7 @@
           <a:bodyPr/>
           <a:lstStyle/>
           <a:p>
-            <a:fld id="{57F69453-16B8-427C-942C-4756E5D833E7}" type="datetimeFigureOut">
+            <a:fld id="{504C035C-E158-463E-8CC0-F54989E7B096}" type="datetimeFigureOut">
               <a:rPr lang="zh-CN" altLang="en-US" smtClean="0"/>
               <a:t>2024/3/10</a:t>
             </a:fld>
@@ -1409,7 +1409,7 @@
           <p:cNvPr id="6" name="页脚占位符 5">
             <a:extLst>
               <a:ext uri="{FF2B5EF4-FFF2-40B4-BE49-F238E27FC236}">
-                <a16:creationId xmlns:a16="http://schemas.microsoft.com/office/drawing/2014/main" id="{2D9C8818-68C9-1C90-C79F-E0B7907F4540}"/>
+                <a16:creationId xmlns:a16="http://schemas.microsoft.com/office/drawing/2014/main" id="{BBE13EB7-D759-5E06-051A-A82B3A6E347A}"/>
               </a:ext>
             </a:extLst>
           </p:cNvPr>
@@ -1434,7 +1434,7 @@
           <p:cNvPr id="7" name="灯片编号占位符 6">
             <a:extLst>
               <a:ext uri="{FF2B5EF4-FFF2-40B4-BE49-F238E27FC236}">
-                <a16:creationId xmlns:a16="http://schemas.microsoft.com/office/drawing/2014/main" id="{6BAA7776-679F-4C0F-A250-D93AB773EC95}"/>
+                <a16:creationId xmlns:a16="http://schemas.microsoft.com/office/drawing/2014/main" id="{8C2DC668-625F-C217-FDF6-BCE9DA1CE82F}"/>
               </a:ext>
             </a:extLst>
           </p:cNvPr>
@@ -1450,7 +1450,7 @@
           <a:bodyPr/>
           <a:lstStyle/>
           <a:p>
-            <a:fld id="{A2FE765D-B8F2-45D6-9D78-5835DFE7F59A}" type="slidenum">
+            <a:fld id="{DA7B16E9-895B-43AE-8C4F-D179BDA2E491}" type="slidenum">
               <a:rPr lang="zh-CN" altLang="en-US" smtClean="0"/>
               <a:t>‹#›</a:t>
             </a:fld>
@@ -1461,7 +1461,7 @@
     </p:spTree>
     <p:extLst>
       <p:ext uri="{BB962C8B-B14F-4D97-AF65-F5344CB8AC3E}">
-        <p14:creationId xmlns:p14="http://schemas.microsoft.com/office/powerpoint/2010/main" val="2576345863"/>
+        <p14:creationId xmlns:p14="http://schemas.microsoft.com/office/powerpoint/2010/main" val="2661260532"/>
       </p:ext>
     </p:extLst>
   </p:cSld>
@@ -1493,7 +1493,7 @@
           <p:cNvPr id="2" name="标题 1">
             <a:extLst>
               <a:ext uri="{FF2B5EF4-FFF2-40B4-BE49-F238E27FC236}">
-                <a16:creationId xmlns:a16="http://schemas.microsoft.com/office/drawing/2014/main" id="{5468E0C7-105C-1B05-B9FC-E6DC2F49532C}"/>
+                <a16:creationId xmlns:a16="http://schemas.microsoft.com/office/drawing/2014/main" id="{8230A4CF-87D5-06B7-F6D5-60D4F756A91F}"/>
               </a:ext>
             </a:extLst>
           </p:cNvPr>
@@ -1526,7 +1526,7 @@
           <p:cNvPr id="3" name="文本占位符 2">
             <a:extLst>
               <a:ext uri="{FF2B5EF4-FFF2-40B4-BE49-F238E27FC236}">
-                <a16:creationId xmlns:a16="http://schemas.microsoft.com/office/drawing/2014/main" id="{CCF07F66-77FA-EC6F-818F-6CC0DB4A3214}"/>
+                <a16:creationId xmlns:a16="http://schemas.microsoft.com/office/drawing/2014/main" id="{B33B5AC3-443F-20F2-C6BD-FC4F3BAFE9DE}"/>
               </a:ext>
             </a:extLst>
           </p:cNvPr>
@@ -1597,7 +1597,7 @@
           <p:cNvPr id="4" name="内容占位符 3">
             <a:extLst>
               <a:ext uri="{FF2B5EF4-FFF2-40B4-BE49-F238E27FC236}">
-                <a16:creationId xmlns:a16="http://schemas.microsoft.com/office/drawing/2014/main" id="{834A244A-1160-AE40-2C31-50752B6749B2}"/>
+                <a16:creationId xmlns:a16="http://schemas.microsoft.com/office/drawing/2014/main" id="{4F89A191-FDA8-79DB-16A7-3164E49FA66C}"/>
               </a:ext>
             </a:extLst>
           </p:cNvPr>
@@ -1659,7 +1659,7 @@
           <p:cNvPr id="5" name="文本占位符 4">
             <a:extLst>
               <a:ext uri="{FF2B5EF4-FFF2-40B4-BE49-F238E27FC236}">
-                <a16:creationId xmlns:a16="http://schemas.microsoft.com/office/drawing/2014/main" id="{798643A9-08C9-2975-6944-69BA566EFD54}"/>
+                <a16:creationId xmlns:a16="http://schemas.microsoft.com/office/drawing/2014/main" id="{244569AE-787A-3A6D-DF9D-5263C6BC10D6}"/>
               </a:ext>
             </a:extLst>
           </p:cNvPr>
@@ -1730,7 +1730,7 @@
           <p:cNvPr id="6" name="内容占位符 5">
             <a:extLst>
               <a:ext uri="{FF2B5EF4-FFF2-40B4-BE49-F238E27FC236}">
-                <a16:creationId xmlns:a16="http://schemas.microsoft.com/office/drawing/2014/main" id="{0C29653B-EBBA-D427-85DE-17BA2B05A65B}"/>
+                <a16:creationId xmlns:a16="http://schemas.microsoft.com/office/drawing/2014/main" id="{B7E5D8E7-5CD8-88C0-24A3-21629FE3B167}"/>
               </a:ext>
             </a:extLst>
           </p:cNvPr>
@@ -1792,7 +1792,7 @@
           <p:cNvPr id="7" name="日期占位符 6">
             <a:extLst>
               <a:ext uri="{FF2B5EF4-FFF2-40B4-BE49-F238E27FC236}">
-                <a16:creationId xmlns:a16="http://schemas.microsoft.com/office/drawing/2014/main" id="{C599C854-09C8-AD99-58A7-5BB08B82033B}"/>
+                <a16:creationId xmlns:a16="http://schemas.microsoft.com/office/drawing/2014/main" id="{7AC99B99-E389-EBD6-871F-A15FD29E2B54}"/>
               </a:ext>
             </a:extLst>
           </p:cNvPr>
@@ -1808,7 +1808,7 @@
           <a:bodyPr/>
           <a:lstStyle/>
           <a:p>
-            <a:fld id="{57F69453-16B8-427C-942C-4756E5D833E7}" type="datetimeFigureOut">
+            <a:fld id="{504C035C-E158-463E-8CC0-F54989E7B096}" type="datetimeFigureOut">
               <a:rPr lang="zh-CN" altLang="en-US" smtClean="0"/>
               <a:t>2024/3/10</a:t>
             </a:fld>
@@ -1821,7 +1821,7 @@
           <p:cNvPr id="8" name="页脚占位符 7">
             <a:extLst>
               <a:ext uri="{FF2B5EF4-FFF2-40B4-BE49-F238E27FC236}">
-                <a16:creationId xmlns:a16="http://schemas.microsoft.com/office/drawing/2014/main" id="{E4A8BD8E-3118-EC4A-C5BC-C517A3D1A7DE}"/>
+                <a16:creationId xmlns:a16="http://schemas.microsoft.com/office/drawing/2014/main" id="{023660DA-D0E8-5069-2944-07A2A4476689}"/>
               </a:ext>
             </a:extLst>
           </p:cNvPr>
@@ -1846,7 +1846,7 @@
           <p:cNvPr id="9" name="灯片编号占位符 8">
             <a:extLst>
               <a:ext uri="{FF2B5EF4-FFF2-40B4-BE49-F238E27FC236}">
-                <a16:creationId xmlns:a16="http://schemas.microsoft.com/office/drawing/2014/main" id="{AC9FF258-EEC2-BC59-D2C2-41437578691B}"/>
+                <a16:creationId xmlns:a16="http://schemas.microsoft.com/office/drawing/2014/main" id="{C7777683-F220-B995-B8C8-A86EF446B654}"/>
               </a:ext>
             </a:extLst>
           </p:cNvPr>
@@ -1862,7 +1862,7 @@
           <a:bodyPr/>
           <a:lstStyle/>
           <a:p>
-            <a:fld id="{A2FE765D-B8F2-45D6-9D78-5835DFE7F59A}" type="slidenum">
+            <a:fld id="{DA7B16E9-895B-43AE-8C4F-D179BDA2E491}" type="slidenum">
               <a:rPr lang="zh-CN" altLang="en-US" smtClean="0"/>
               <a:t>‹#›</a:t>
             </a:fld>
@@ -1873,7 +1873,7 @@
     </p:spTree>
     <p:extLst>
       <p:ext uri="{BB962C8B-B14F-4D97-AF65-F5344CB8AC3E}">
-        <p14:creationId xmlns:p14="http://schemas.microsoft.com/office/powerpoint/2010/main" val="3176313500"/>
+        <p14:creationId xmlns:p14="http://schemas.microsoft.com/office/powerpoint/2010/main" val="2350738797"/>
       </p:ext>
     </p:extLst>
   </p:cSld>
@@ -1905,7 +1905,7 @@
           <p:cNvPr id="2" name="标题 1">
             <a:extLst>
               <a:ext uri="{FF2B5EF4-FFF2-40B4-BE49-F238E27FC236}">
-                <a16:creationId xmlns:a16="http://schemas.microsoft.com/office/drawing/2014/main" id="{F9896FCE-FF89-F877-747E-4F10473A14D8}"/>
+                <a16:creationId xmlns:a16="http://schemas.microsoft.com/office/drawing/2014/main" id="{3D8D91DA-D29E-7D59-1927-AF27B0416665}"/>
               </a:ext>
             </a:extLst>
           </p:cNvPr>
@@ -1933,7 +1933,7 @@
           <p:cNvPr id="3" name="日期占位符 2">
             <a:extLst>
               <a:ext uri="{FF2B5EF4-FFF2-40B4-BE49-F238E27FC236}">
-                <a16:creationId xmlns:a16="http://schemas.microsoft.com/office/drawing/2014/main" id="{C97F46C9-2215-026A-4860-864CEBB8BEA8}"/>
+                <a16:creationId xmlns:a16="http://schemas.microsoft.com/office/drawing/2014/main" id="{E0FD187E-FB90-8C5A-2C26-6ED5090BC9CD}"/>
               </a:ext>
             </a:extLst>
           </p:cNvPr>
@@ -1949,7 +1949,7 @@
           <a:bodyPr/>
           <a:lstStyle/>
           <a:p>
-            <a:fld id="{57F69453-16B8-427C-942C-4756E5D833E7}" type="datetimeFigureOut">
+            <a:fld id="{504C035C-E158-463E-8CC0-F54989E7B096}" type="datetimeFigureOut">
               <a:rPr lang="zh-CN" altLang="en-US" smtClean="0"/>
               <a:t>2024/3/10</a:t>
             </a:fld>
@@ -1962,7 +1962,7 @@
           <p:cNvPr id="4" name="页脚占位符 3">
             <a:extLst>
               <a:ext uri="{FF2B5EF4-FFF2-40B4-BE49-F238E27FC236}">
-                <a16:creationId xmlns:a16="http://schemas.microsoft.com/office/drawing/2014/main" id="{F084349F-F985-2096-C386-4DEF2E9DF3B5}"/>
+                <a16:creationId xmlns:a16="http://schemas.microsoft.com/office/drawing/2014/main" id="{3C491A0B-9121-5DD7-60F7-18464CEDB13D}"/>
               </a:ext>
             </a:extLst>
           </p:cNvPr>
@@ -1987,7 +1987,7 @@
           <p:cNvPr id="5" name="灯片编号占位符 4">
             <a:extLst>
               <a:ext uri="{FF2B5EF4-FFF2-40B4-BE49-F238E27FC236}">
-                <a16:creationId xmlns:a16="http://schemas.microsoft.com/office/drawing/2014/main" id="{72C8B2E7-C5E5-B201-F124-8715E44EEC90}"/>
+                <a16:creationId xmlns:a16="http://schemas.microsoft.com/office/drawing/2014/main" id="{8A0BC795-19B6-D068-7588-D880FA1008A3}"/>
               </a:ext>
             </a:extLst>
           </p:cNvPr>
@@ -2003,7 +2003,7 @@
           <a:bodyPr/>
           <a:lstStyle/>
           <a:p>
-            <a:fld id="{A2FE765D-B8F2-45D6-9D78-5835DFE7F59A}" type="slidenum">
+            <a:fld id="{DA7B16E9-895B-43AE-8C4F-D179BDA2E491}" type="slidenum">
               <a:rPr lang="zh-CN" altLang="en-US" smtClean="0"/>
               <a:t>‹#›</a:t>
             </a:fld>
@@ -2014,7 +2014,7 @@
     </p:spTree>
     <p:extLst>
       <p:ext uri="{BB962C8B-B14F-4D97-AF65-F5344CB8AC3E}">
-        <p14:creationId xmlns:p14="http://schemas.microsoft.com/office/powerpoint/2010/main" val="4031725340"/>
+        <p14:creationId xmlns:p14="http://schemas.microsoft.com/office/powerpoint/2010/main" val="2898453701"/>
       </p:ext>
     </p:extLst>
   </p:cSld>
@@ -2046,7 +2046,7 @@
           <p:cNvPr id="2" name="日期占位符 1">
             <a:extLst>
               <a:ext uri="{FF2B5EF4-FFF2-40B4-BE49-F238E27FC236}">
-                <a16:creationId xmlns:a16="http://schemas.microsoft.com/office/drawing/2014/main" id="{12B18C24-530F-9749-6353-37DA01DE3B9A}"/>
+                <a16:creationId xmlns:a16="http://schemas.microsoft.com/office/drawing/2014/main" id="{2A2C13CD-2FBC-8BEA-0536-04B30259D37A}"/>
               </a:ext>
             </a:extLst>
           </p:cNvPr>
@@ -2062,7 +2062,7 @@
           <a:bodyPr/>
           <a:lstStyle/>
           <a:p>
-            <a:fld id="{57F69453-16B8-427C-942C-4756E5D833E7}" type="datetimeFigureOut">
+            <a:fld id="{504C035C-E158-463E-8CC0-F54989E7B096}" type="datetimeFigureOut">
               <a:rPr lang="zh-CN" altLang="en-US" smtClean="0"/>
               <a:t>2024/3/10</a:t>
             </a:fld>
@@ -2075,7 +2075,7 @@
           <p:cNvPr id="3" name="页脚占位符 2">
             <a:extLst>
               <a:ext uri="{FF2B5EF4-FFF2-40B4-BE49-F238E27FC236}">
-                <a16:creationId xmlns:a16="http://schemas.microsoft.com/office/drawing/2014/main" id="{87B33A69-3BDE-DFCF-7BA5-8457B29BFAB8}"/>
+                <a16:creationId xmlns:a16="http://schemas.microsoft.com/office/drawing/2014/main" id="{910728BC-E390-3B4D-8A8B-68A429BF393F}"/>
               </a:ext>
             </a:extLst>
           </p:cNvPr>
@@ -2100,7 +2100,7 @@
           <p:cNvPr id="4" name="灯片编号占位符 3">
             <a:extLst>
               <a:ext uri="{FF2B5EF4-FFF2-40B4-BE49-F238E27FC236}">
-                <a16:creationId xmlns:a16="http://schemas.microsoft.com/office/drawing/2014/main" id="{1DC6E538-D64C-F487-8BFA-F73519084FA5}"/>
+                <a16:creationId xmlns:a16="http://schemas.microsoft.com/office/drawing/2014/main" id="{08C6BB6F-3761-D422-8ACB-5ED4DFACA5CA}"/>
               </a:ext>
             </a:extLst>
           </p:cNvPr>
@@ -2116,7 +2116,7 @@
           <a:bodyPr/>
           <a:lstStyle/>
           <a:p>
-            <a:fld id="{A2FE765D-B8F2-45D6-9D78-5835DFE7F59A}" type="slidenum">
+            <a:fld id="{DA7B16E9-895B-43AE-8C4F-D179BDA2E491}" type="slidenum">
               <a:rPr lang="zh-CN" altLang="en-US" smtClean="0"/>
               <a:t>‹#›</a:t>
             </a:fld>
@@ -2127,7 +2127,7 @@
     </p:spTree>
     <p:extLst>
       <p:ext uri="{BB962C8B-B14F-4D97-AF65-F5344CB8AC3E}">
-        <p14:creationId xmlns:p14="http://schemas.microsoft.com/office/powerpoint/2010/main" val="748136588"/>
+        <p14:creationId xmlns:p14="http://schemas.microsoft.com/office/powerpoint/2010/main" val="641802546"/>
       </p:ext>
     </p:extLst>
   </p:cSld>
@@ -2159,7 +2159,7 @@
           <p:cNvPr id="2" name="标题 1">
             <a:extLst>
               <a:ext uri="{FF2B5EF4-FFF2-40B4-BE49-F238E27FC236}">
-                <a16:creationId xmlns:a16="http://schemas.microsoft.com/office/drawing/2014/main" id="{F4107230-9E11-1C68-9DDB-9B8914D18828}"/>
+                <a16:creationId xmlns:a16="http://schemas.microsoft.com/office/drawing/2014/main" id="{2939412B-8939-581A-E897-9A43A7E2FF8C}"/>
               </a:ext>
             </a:extLst>
           </p:cNvPr>
@@ -2196,7 +2196,7 @@
           <p:cNvPr id="3" name="内容占位符 2">
             <a:extLst>
               <a:ext uri="{FF2B5EF4-FFF2-40B4-BE49-F238E27FC236}">
-                <a16:creationId xmlns:a16="http://schemas.microsoft.com/office/drawing/2014/main" id="{1A99DBE7-9A38-A779-19B3-B779DDA20EDC}"/>
+                <a16:creationId xmlns:a16="http://schemas.microsoft.com/office/drawing/2014/main" id="{891E5F73-AA71-E499-7214-34E0A4D2E41C}"/>
               </a:ext>
             </a:extLst>
           </p:cNvPr>
@@ -2286,7 +2286,7 @@
           <p:cNvPr id="4" name="文本占位符 3">
             <a:extLst>
               <a:ext uri="{FF2B5EF4-FFF2-40B4-BE49-F238E27FC236}">
-                <a16:creationId xmlns:a16="http://schemas.microsoft.com/office/drawing/2014/main" id="{4091EB89-2A01-6D8F-9D3A-4F2702D0425C}"/>
+                <a16:creationId xmlns:a16="http://schemas.microsoft.com/office/drawing/2014/main" id="{FFF505E9-AD46-E04C-F24D-D0ECC8B987DF}"/>
               </a:ext>
             </a:extLst>
           </p:cNvPr>
@@ -2357,7 +2357,7 @@
           <p:cNvPr id="5" name="日期占位符 4">
             <a:extLst>
               <a:ext uri="{FF2B5EF4-FFF2-40B4-BE49-F238E27FC236}">
-                <a16:creationId xmlns:a16="http://schemas.microsoft.com/office/drawing/2014/main" id="{5C62D2BE-8CD9-7FCB-6CCD-F36DF4ADE76C}"/>
+                <a16:creationId xmlns:a16="http://schemas.microsoft.com/office/drawing/2014/main" id="{1AEFD12F-3ACE-3DB4-4E57-61818FD198D3}"/>
               </a:ext>
             </a:extLst>
           </p:cNvPr>
@@ -2373,7 +2373,7 @@
           <a:bodyPr/>
           <a:lstStyle/>
           <a:p>
-            <a:fld id="{57F69453-16B8-427C-942C-4756E5D833E7}" type="datetimeFigureOut">
+            <a:fld id="{504C035C-E158-463E-8CC0-F54989E7B096}" type="datetimeFigureOut">
               <a:rPr lang="zh-CN" altLang="en-US" smtClean="0"/>
               <a:t>2024/3/10</a:t>
             </a:fld>
@@ -2386,7 +2386,7 @@
           <p:cNvPr id="6" name="页脚占位符 5">
             <a:extLst>
               <a:ext uri="{FF2B5EF4-FFF2-40B4-BE49-F238E27FC236}">
-                <a16:creationId xmlns:a16="http://schemas.microsoft.com/office/drawing/2014/main" id="{DA320F43-04B4-FA25-C610-2233D762DB5F}"/>
+                <a16:creationId xmlns:a16="http://schemas.microsoft.com/office/drawing/2014/main" id="{5D16B5AA-84F3-BA83-1C79-9B8B1CBB207C}"/>
               </a:ext>
             </a:extLst>
           </p:cNvPr>
@@ -2411,7 +2411,7 @@
           <p:cNvPr id="7" name="灯片编号占位符 6">
             <a:extLst>
               <a:ext uri="{FF2B5EF4-FFF2-40B4-BE49-F238E27FC236}">
-                <a16:creationId xmlns:a16="http://schemas.microsoft.com/office/drawing/2014/main" id="{62FAA0DB-1C82-E1EA-AF6C-D356727A2E44}"/>
+                <a16:creationId xmlns:a16="http://schemas.microsoft.com/office/drawing/2014/main" id="{1E9B1E60-8762-E0A9-E2A5-B988746D2F5F}"/>
               </a:ext>
             </a:extLst>
           </p:cNvPr>
@@ -2427,7 +2427,7 @@
           <a:bodyPr/>
           <a:lstStyle/>
           <a:p>
-            <a:fld id="{A2FE765D-B8F2-45D6-9D78-5835DFE7F59A}" type="slidenum">
+            <a:fld id="{DA7B16E9-895B-43AE-8C4F-D179BDA2E491}" type="slidenum">
               <a:rPr lang="zh-CN" altLang="en-US" smtClean="0"/>
               <a:t>‹#›</a:t>
             </a:fld>
@@ -2438,7 +2438,7 @@
     </p:spTree>
     <p:extLst>
       <p:ext uri="{BB962C8B-B14F-4D97-AF65-F5344CB8AC3E}">
-        <p14:creationId xmlns:p14="http://schemas.microsoft.com/office/powerpoint/2010/main" val="1870773950"/>
+        <p14:creationId xmlns:p14="http://schemas.microsoft.com/office/powerpoint/2010/main" val="2933789206"/>
       </p:ext>
     </p:extLst>
   </p:cSld>
@@ -2470,7 +2470,7 @@
           <p:cNvPr id="2" name="标题 1">
             <a:extLst>
               <a:ext uri="{FF2B5EF4-FFF2-40B4-BE49-F238E27FC236}">
-                <a16:creationId xmlns:a16="http://schemas.microsoft.com/office/drawing/2014/main" id="{C4C2DE89-FCFA-0F96-8D19-EF9A244F2539}"/>
+                <a16:creationId xmlns:a16="http://schemas.microsoft.com/office/drawing/2014/main" id="{65506F9B-5025-F2A7-20AB-1B174B7B2296}"/>
               </a:ext>
             </a:extLst>
           </p:cNvPr>
@@ -2507,7 +2507,7 @@
           <p:cNvPr id="3" name="图片占位符 2">
             <a:extLst>
               <a:ext uri="{FF2B5EF4-FFF2-40B4-BE49-F238E27FC236}">
-                <a16:creationId xmlns:a16="http://schemas.microsoft.com/office/drawing/2014/main" id="{E6E6AFC7-0F05-75BF-FC2F-17C526ACBD01}"/>
+                <a16:creationId xmlns:a16="http://schemas.microsoft.com/office/drawing/2014/main" id="{E0C01A4C-7E0D-4905-ABF1-E80D57A51A23}"/>
               </a:ext>
             </a:extLst>
           </p:cNvPr>
@@ -2574,7 +2574,7 @@
           <p:cNvPr id="4" name="文本占位符 3">
             <a:extLst>
               <a:ext uri="{FF2B5EF4-FFF2-40B4-BE49-F238E27FC236}">
-                <a16:creationId xmlns:a16="http://schemas.microsoft.com/office/drawing/2014/main" id="{A86E13DA-8233-ADD6-9A22-A016374F08B5}"/>
+                <a16:creationId xmlns:a16="http://schemas.microsoft.com/office/drawing/2014/main" id="{2A7E9EAA-E303-5F79-6D5A-71EBD5A469C4}"/>
               </a:ext>
             </a:extLst>
           </p:cNvPr>
@@ -2645,7 +2645,7 @@
           <p:cNvPr id="5" name="日期占位符 4">
             <a:extLst>
               <a:ext uri="{FF2B5EF4-FFF2-40B4-BE49-F238E27FC236}">
-                <a16:creationId xmlns:a16="http://schemas.microsoft.com/office/drawing/2014/main" id="{E21A79A8-CBBF-FA85-D700-E735C79E2EB5}"/>
+                <a16:creationId xmlns:a16="http://schemas.microsoft.com/office/drawing/2014/main" id="{B59AB412-E582-3233-04F0-FDEF334AAFE4}"/>
               </a:ext>
             </a:extLst>
           </p:cNvPr>
@@ -2661,7 +2661,7 @@
           <a:bodyPr/>
           <a:lstStyle/>
           <a:p>
-            <a:fld id="{57F69453-16B8-427C-942C-4756E5D833E7}" type="datetimeFigureOut">
+            <a:fld id="{504C035C-E158-463E-8CC0-F54989E7B096}" type="datetimeFigureOut">
               <a:rPr lang="zh-CN" altLang="en-US" smtClean="0"/>
               <a:t>2024/3/10</a:t>
             </a:fld>
@@ -2674,7 +2674,7 @@
           <p:cNvPr id="6" name="页脚占位符 5">
             <a:extLst>
               <a:ext uri="{FF2B5EF4-FFF2-40B4-BE49-F238E27FC236}">
-                <a16:creationId xmlns:a16="http://schemas.microsoft.com/office/drawing/2014/main" id="{45D7CB1F-02B8-83AE-F8D7-C6F9F1A3F084}"/>
+                <a16:creationId xmlns:a16="http://schemas.microsoft.com/office/drawing/2014/main" id="{C12C5A49-6F4B-6FF0-513C-B438110B66DA}"/>
               </a:ext>
             </a:extLst>
           </p:cNvPr>
@@ -2699,7 +2699,7 @@
           <p:cNvPr id="7" name="灯片编号占位符 6">
             <a:extLst>
               <a:ext uri="{FF2B5EF4-FFF2-40B4-BE49-F238E27FC236}">
-                <a16:creationId xmlns:a16="http://schemas.microsoft.com/office/drawing/2014/main" id="{6EA90CB3-63A8-BAEC-C304-0B9DD35BFD9D}"/>
+                <a16:creationId xmlns:a16="http://schemas.microsoft.com/office/drawing/2014/main" id="{A1B1A001-A0AE-5D01-01DC-D82731E3C9BF}"/>
               </a:ext>
             </a:extLst>
           </p:cNvPr>
@@ -2715,7 +2715,7 @@
           <a:bodyPr/>
           <a:lstStyle/>
           <a:p>
-            <a:fld id="{A2FE765D-B8F2-45D6-9D78-5835DFE7F59A}" type="slidenum">
+            <a:fld id="{DA7B16E9-895B-43AE-8C4F-D179BDA2E491}" type="slidenum">
               <a:rPr lang="zh-CN" altLang="en-US" smtClean="0"/>
               <a:t>‹#›</a:t>
             </a:fld>
@@ -2726,7 +2726,7 @@
     </p:spTree>
     <p:extLst>
       <p:ext uri="{BB962C8B-B14F-4D97-AF65-F5344CB8AC3E}">
-        <p14:creationId xmlns:p14="http://schemas.microsoft.com/office/powerpoint/2010/main" val="1014397674"/>
+        <p14:creationId xmlns:p14="http://schemas.microsoft.com/office/powerpoint/2010/main" val="2094141929"/>
       </p:ext>
     </p:extLst>
   </p:cSld>
@@ -2763,7 +2763,7 @@
           <p:cNvPr id="2" name="标题占位符 1">
             <a:extLst>
               <a:ext uri="{FF2B5EF4-FFF2-40B4-BE49-F238E27FC236}">
-                <a16:creationId xmlns:a16="http://schemas.microsoft.com/office/drawing/2014/main" id="{287ED638-286C-ED47-7853-5861E8AF8EF3}"/>
+                <a16:creationId xmlns:a16="http://schemas.microsoft.com/office/drawing/2014/main" id="{D97B34B8-9E8F-9E92-78FD-39C1C21F72E1}"/>
               </a:ext>
             </a:extLst>
           </p:cNvPr>
@@ -2801,7 +2801,7 @@
           <p:cNvPr id="3" name="文本占位符 2">
             <a:extLst>
               <a:ext uri="{FF2B5EF4-FFF2-40B4-BE49-F238E27FC236}">
-                <a16:creationId xmlns:a16="http://schemas.microsoft.com/office/drawing/2014/main" id="{CEC6E2A7-D621-C788-EB39-75ABE56FAB20}"/>
+                <a16:creationId xmlns:a16="http://schemas.microsoft.com/office/drawing/2014/main" id="{F887A3DA-361B-839A-6305-A8BC1CBFD6DC}"/>
               </a:ext>
             </a:extLst>
           </p:cNvPr>
@@ -2868,7 +2868,7 @@
           <p:cNvPr id="4" name="日期占位符 3">
             <a:extLst>
               <a:ext uri="{FF2B5EF4-FFF2-40B4-BE49-F238E27FC236}">
-                <a16:creationId xmlns:a16="http://schemas.microsoft.com/office/drawing/2014/main" id="{9BB78F72-8B00-AD20-2147-BC008A324E95}"/>
+                <a16:creationId xmlns:a16="http://schemas.microsoft.com/office/drawing/2014/main" id="{AA32A2AB-367C-5FD3-A9BD-482E2D83CBA9}"/>
               </a:ext>
             </a:extLst>
           </p:cNvPr>
@@ -2902,7 +2902,7 @@
             </a:lvl1pPr>
           </a:lstStyle>
           <a:p>
-            <a:fld id="{57F69453-16B8-427C-942C-4756E5D833E7}" type="datetimeFigureOut">
+            <a:fld id="{504C035C-E158-463E-8CC0-F54989E7B096}" type="datetimeFigureOut">
               <a:rPr lang="zh-CN" altLang="en-US" smtClean="0"/>
               <a:t>2024/3/10</a:t>
             </a:fld>
@@ -2915,7 +2915,7 @@
           <p:cNvPr id="5" name="页脚占位符 4">
             <a:extLst>
               <a:ext uri="{FF2B5EF4-FFF2-40B4-BE49-F238E27FC236}">
-                <a16:creationId xmlns:a16="http://schemas.microsoft.com/office/drawing/2014/main" id="{315E2D76-1DB7-BE53-D846-A31B1A0ECD88}"/>
+                <a16:creationId xmlns:a16="http://schemas.microsoft.com/office/drawing/2014/main" id="{8058A7A9-8021-1A86-3364-61BB933CF893}"/>
               </a:ext>
             </a:extLst>
           </p:cNvPr>
@@ -2958,7 +2958,7 @@
           <p:cNvPr id="6" name="灯片编号占位符 5">
             <a:extLst>
               <a:ext uri="{FF2B5EF4-FFF2-40B4-BE49-F238E27FC236}">
-                <a16:creationId xmlns:a16="http://schemas.microsoft.com/office/drawing/2014/main" id="{0EA33575-3265-241E-F1CF-AB9361B52695}"/>
+                <a16:creationId xmlns:a16="http://schemas.microsoft.com/office/drawing/2014/main" id="{7ADD8378-ED5B-5839-7983-E941272F7CAD}"/>
               </a:ext>
             </a:extLst>
           </p:cNvPr>
@@ -2992,7 +2992,7 @@
             </a:lvl1pPr>
           </a:lstStyle>
           <a:p>
-            <a:fld id="{A2FE765D-B8F2-45D6-9D78-5835DFE7F59A}" type="slidenum">
+            <a:fld id="{DA7B16E9-895B-43AE-8C4F-D179BDA2E491}" type="slidenum">
               <a:rPr lang="zh-CN" altLang="en-US" smtClean="0"/>
               <a:t>‹#›</a:t>
             </a:fld>
@@ -3003,7 +3003,7 @@
     </p:spTree>
     <p:extLst>
       <p:ext uri="{BB962C8B-B14F-4D97-AF65-F5344CB8AC3E}">
-        <p14:creationId xmlns:p14="http://schemas.microsoft.com/office/powerpoint/2010/main" val="1536087793"/>
+        <p14:creationId xmlns:p14="http://schemas.microsoft.com/office/powerpoint/2010/main" val="2176438914"/>
       </p:ext>
     </p:extLst>
   </p:cSld>
@@ -3323,7 +3323,7 @@
       </p:grpSpPr>
       <p:pic>
         <p:nvPicPr>
-          <p:cNvPr id="1528834" name="Picture 2" descr="1492"/>
+          <p:cNvPr id="1529858" name="Picture 2" descr="1493"/>
           <p:cNvPicPr>
             <a:picLocks noChangeAspect="1" noChangeArrowheads="1"/>
           </p:cNvPicPr>
